--- a/Presentations/Aula05-Transporte-UDP-TCP/04-Transporte.pptx
+++ b/Presentations/Aula05-Transporte-UDP-TCP/04-Transporte.pptx
@@ -221,6 +221,7 @@
           <a:p>
             <a:fld id="{4E1D7E68-145E-4A0A-BFF2-FF98ABEAD3C2}" type="datetimeFigureOut">
               <a:rPr lang="pt-BR" smtClean="0"/>
+              <a:pPr/>
               <a:t>20/03/2019</a:t>
             </a:fld>
             <a:endParaRPr lang="pt-BR"/>
@@ -382,6 +383,7 @@
           <a:p>
             <a:fld id="{DF13C801-1203-4BF7-88F8-BF464FDAC6B9}" type="slidenum">
               <a:rPr lang="pt-BR" smtClean="0"/>
+              <a:pPr/>
               <a:t>‹#›</a:t>
             </a:fld>
             <a:endParaRPr lang="pt-BR"/>
@@ -553,6 +555,7 @@
           <a:p>
             <a:fld id="{DF13C801-1203-4BF7-88F8-BF464FDAC6B9}" type="slidenum">
               <a:rPr lang="pt-BR" smtClean="0"/>
+              <a:pPr/>
               <a:t>5</a:t>
             </a:fld>
             <a:endParaRPr lang="pt-BR"/>
@@ -758,7 +761,7 @@
               <a:pPr>
                 <a:defRPr/>
               </a:pPr>
-              <a:t>19/03/2019</a:t>
+              <a:t>20/03/2019</a:t>
             </a:fld>
             <a:endParaRPr lang="pt-BR"/>
           </a:p>
@@ -950,7 +953,7 @@
               <a:pPr>
                 <a:defRPr/>
               </a:pPr>
-              <a:t>19/03/2019</a:t>
+              <a:t>20/03/2019</a:t>
             </a:fld>
             <a:endParaRPr lang="pt-BR"/>
           </a:p>
@@ -1152,7 +1155,7 @@
               <a:pPr>
                 <a:defRPr/>
               </a:pPr>
-              <a:t>19/03/2019</a:t>
+              <a:t>20/03/2019</a:t>
             </a:fld>
             <a:endParaRPr lang="pt-BR"/>
           </a:p>
@@ -1280,7 +1283,7 @@
           <a:blip r:embed="rId3" cstate="print">
             <a:extLst>
               <a:ext uri="{BEBA8EAE-BF5A-486C-A8C5-ECC9F3942E4B}">
-                <a14:imgProps xmlns:a14="http://schemas.microsoft.com/office/drawing/2010/main" xmlns="">
+                <a14:imgProps xmlns="" xmlns:a14="http://schemas.microsoft.com/office/drawing/2010/main">
                   <a14:imgLayer r:embed="rId4">
                     <a14:imgEffect>
                       <a14:saturation sat="305000"/>
@@ -1471,7 +1474,7 @@
               <a:pPr>
                 <a:defRPr/>
               </a:pPr>
-              <a:t>19/03/2019</a:t>
+              <a:t>20/03/2019</a:t>
             </a:fld>
             <a:endParaRPr lang="pt-BR"/>
           </a:p>
@@ -1739,7 +1742,7 @@
               <a:pPr>
                 <a:defRPr/>
               </a:pPr>
-              <a:t>19/03/2019</a:t>
+              <a:t>20/03/2019</a:t>
             </a:fld>
             <a:endParaRPr lang="pt-BR"/>
           </a:p>
@@ -2049,7 +2052,7 @@
               <a:pPr>
                 <a:defRPr/>
               </a:pPr>
-              <a:t>19/03/2019</a:t>
+              <a:t>20/03/2019</a:t>
             </a:fld>
             <a:endParaRPr lang="pt-BR"/>
           </a:p>
@@ -2493,7 +2496,7 @@
               <a:pPr>
                 <a:defRPr/>
               </a:pPr>
-              <a:t>19/03/2019</a:t>
+              <a:t>20/03/2019</a:t>
             </a:fld>
             <a:endParaRPr lang="pt-BR"/>
           </a:p>
@@ -2633,7 +2636,7 @@
               <a:pPr>
                 <a:defRPr/>
               </a:pPr>
-              <a:t>19/03/2019</a:t>
+              <a:t>20/03/2019</a:t>
             </a:fld>
             <a:endParaRPr lang="pt-BR"/>
           </a:p>
@@ -2750,7 +2753,7 @@
               <a:pPr>
                 <a:defRPr/>
               </a:pPr>
-              <a:t>19/03/2019</a:t>
+              <a:t>20/03/2019</a:t>
             </a:fld>
             <a:endParaRPr lang="pt-BR"/>
           </a:p>
@@ -3049,7 +3052,7 @@
               <a:pPr>
                 <a:defRPr/>
               </a:pPr>
-              <a:t>19/03/2019</a:t>
+              <a:t>20/03/2019</a:t>
             </a:fld>
             <a:endParaRPr lang="pt-BR"/>
           </a:p>
@@ -3327,7 +3330,7 @@
               <a:pPr>
                 <a:defRPr/>
               </a:pPr>
-              <a:t>19/03/2019</a:t>
+              <a:t>20/03/2019</a:t>
             </a:fld>
             <a:endParaRPr lang="pt-BR"/>
           </a:p>
@@ -3434,7 +3437,7 @@
           <a:blip r:embed="rId15" cstate="print">
             <a:extLst>
               <a:ext uri="{BEBA8EAE-BF5A-486C-A8C5-ECC9F3942E4B}">
-                <a14:imgProps xmlns:a14="http://schemas.microsoft.com/office/drawing/2010/main" xmlns="">
+                <a14:imgProps xmlns="" xmlns:a14="http://schemas.microsoft.com/office/drawing/2010/main">
                   <a14:imgLayer r:embed="rId16">
                     <a14:imgEffect>
                       <a14:saturation sat="305000"/>
@@ -3621,7 +3624,7 @@
               <a:pPr>
                 <a:defRPr/>
               </a:pPr>
-              <a:t>19/03/2019</a:t>
+              <a:t>20/03/2019</a:t>
             </a:fld>
             <a:endParaRPr lang="pt-BR"/>
           </a:p>
@@ -4460,21 +4463,8 @@
                   <a:schemeClr val="bg1"/>
                 </a:solidFill>
               </a:rPr>
-              <a:t>	 	 </a:t>
-            </a:r>
-            <a:r>
-              <a:rPr lang="pt-BR" altLang="pt-BR" sz="2800" b="1" dirty="0" smtClean="0">
-                <a:solidFill>
-                  <a:schemeClr val="bg1"/>
-                </a:solidFill>
-              </a:rPr>
-              <a:t>Camada de transporte</a:t>
-            </a:r>
-            <a:endParaRPr lang="pt-BR" altLang="pt-BR" sz="2800" b="1" dirty="0" smtClean="0">
-              <a:solidFill>
-                <a:schemeClr val="bg1"/>
-              </a:solidFill>
-            </a:endParaRPr>
+              <a:t>	 	 Camada de transporte</a:t>
+            </a:r>
           </a:p>
           <a:p>
             <a:pPr eaLnBrk="1" hangingPunct="1">
@@ -4503,7 +4493,7 @@
           <a:blip r:embed="rId2" cstate="print">
             <a:extLst>
               <a:ext uri="{28A0092B-C50C-407E-A947-70E740481C1C}">
-                <a14:useLocalDpi xmlns:a14="http://schemas.microsoft.com/office/drawing/2010/main" xmlns="" val="0"/>
+                <a14:useLocalDpi xmlns="" xmlns:a14="http://schemas.microsoft.com/office/drawing/2010/main" val="0"/>
               </a:ext>
             </a:extLst>
           </a:blip>
@@ -4766,6 +4756,13 @@
   <p:clrMapOvr>
     <a:masterClrMapping/>
   </p:clrMapOvr>
+  <p:timing>
+    <p:tnLst>
+      <p:par>
+        <p:cTn id="1" dur="indefinite" restart="never" nodeType="tmRoot"/>
+      </p:par>
+    </p:tnLst>
+  </p:timing>
 </p:sld>
 </file>
 
@@ -4870,6 +4867,13 @@
   <p:clrMapOvr>
     <a:masterClrMapping/>
   </p:clrMapOvr>
+  <p:timing>
+    <p:tnLst>
+      <p:par>
+        <p:cTn id="1" dur="indefinite" restart="never" nodeType="tmRoot"/>
+      </p:par>
+    </p:tnLst>
+  </p:timing>
 </p:sld>
 </file>
 
@@ -4974,6 +4978,13 @@
   <p:clrMapOvr>
     <a:masterClrMapping/>
   </p:clrMapOvr>
+  <p:timing>
+    <p:tnLst>
+      <p:par>
+        <p:cTn id="1" dur="indefinite" restart="never" nodeType="tmRoot"/>
+      </p:par>
+    </p:tnLst>
+  </p:timing>
 </p:sld>
 </file>
 
@@ -5066,6 +5077,13 @@
   <p:clrMapOvr>
     <a:masterClrMapping/>
   </p:clrMapOvr>
+  <p:timing>
+    <p:tnLst>
+      <p:par>
+        <p:cTn id="1" dur="indefinite" restart="never" nodeType="tmRoot"/>
+      </p:par>
+    </p:tnLst>
+  </p:timing>
 </p:sld>
 </file>
 
@@ -5178,6 +5196,13 @@
   <p:clrMapOvr>
     <a:masterClrMapping/>
   </p:clrMapOvr>
+  <p:timing>
+    <p:tnLst>
+      <p:par>
+        <p:cTn id="1" dur="indefinite" restart="never" nodeType="tmRoot"/>
+      </p:par>
+    </p:tnLst>
+  </p:timing>
 </p:sld>
 </file>
 
@@ -5314,6 +5339,13 @@
   <p:clrMapOvr>
     <a:masterClrMapping/>
   </p:clrMapOvr>
+  <p:timing>
+    <p:tnLst>
+      <p:par>
+        <p:cTn id="1" dur="indefinite" restart="never" nodeType="tmRoot"/>
+      </p:par>
+    </p:tnLst>
+  </p:timing>
 </p:sld>
 </file>
 
@@ -5619,6 +5651,13 @@
   <p:clrMapOvr>
     <a:masterClrMapping/>
   </p:clrMapOvr>
+  <p:timing>
+    <p:tnLst>
+      <p:par>
+        <p:cTn id="1" dur="indefinite" restart="never" nodeType="tmRoot"/>
+      </p:par>
+    </p:tnLst>
+  </p:timing>
 </p:sld>
 </file>
 
@@ -5729,6 +5768,13 @@
   <p:clrMapOvr>
     <a:masterClrMapping/>
   </p:clrMapOvr>
+  <p:timing>
+    <p:tnLst>
+      <p:par>
+        <p:cTn id="1" dur="indefinite" restart="never" nodeType="tmRoot"/>
+      </p:par>
+    </p:tnLst>
+  </p:timing>
 </p:sld>
 </file>
 
@@ -5842,6 +5888,13 @@
   <p:clrMapOvr>
     <a:masterClrMapping/>
   </p:clrMapOvr>
+  <p:timing>
+    <p:tnLst>
+      <p:par>
+        <p:cTn id="1" dur="indefinite" restart="never" nodeType="tmRoot"/>
+      </p:par>
+    </p:tnLst>
+  </p:timing>
 </p:sld>
 </file>
 
@@ -5907,26 +5960,13 @@
           <a:p>
             <a:r>
               <a:rPr lang="pt-BR" sz="2800" dirty="0" smtClean="0"/>
-              <a:t>Lado </a:t>
-            </a:r>
+              <a:t>Lado emissor: quebra mensagens da aplicação em segmentos</a:t>
+            </a:r>
+          </a:p>
+          <a:p>
             <a:r>
               <a:rPr lang="pt-BR" sz="2800" dirty="0" smtClean="0"/>
-              <a:t>emissor: quebra mensagens da aplicação em </a:t>
-            </a:r>
-            <a:r>
-              <a:rPr lang="pt-BR" sz="2800" dirty="0" smtClean="0"/>
-              <a:t>segmentos</a:t>
-            </a:r>
-            <a:endParaRPr lang="pt-BR" sz="2800" dirty="0" smtClean="0"/>
-          </a:p>
-          <a:p>
-            <a:r>
-              <a:rPr lang="pt-BR" sz="2800" dirty="0" smtClean="0"/>
-              <a:t>Lado receptor: remonta </a:t>
-            </a:r>
-            <a:r>
-              <a:rPr lang="pt-BR" sz="2800" dirty="0" smtClean="0"/>
-              <a:t>segmentos</a:t>
+              <a:t>Lado receptor: remonta segmentos</a:t>
             </a:r>
           </a:p>
           <a:p>
@@ -5960,15 +6000,7 @@
             <a:pPr lvl="1"/>
             <a:r>
               <a:rPr lang="pt-BR" sz="2000" dirty="0" smtClean="0"/>
-              <a:t>Controle </a:t>
-            </a:r>
-            <a:r>
-              <a:rPr lang="pt-BR" sz="2000" dirty="0" smtClean="0"/>
-              <a:t>de </a:t>
-            </a:r>
-            <a:r>
-              <a:rPr lang="pt-BR" sz="2000" dirty="0" smtClean="0"/>
-              <a:t>congestionamento</a:t>
+              <a:t>Controle de congestionamento</a:t>
             </a:r>
             <a:endParaRPr lang="pt-BR" sz="2400" dirty="0" smtClean="0"/>
           </a:p>
@@ -5984,7 +6016,6 @@
               <a:rPr lang="pt-BR" sz="2400" dirty="0" smtClean="0"/>
               <a:t>Extensões “sem ornamentos” ao serviço de melhor esforço (best effort) IP</a:t>
             </a:r>
-            <a:endParaRPr lang="pt-BR" sz="2400" dirty="0" smtClean="0"/>
           </a:p>
         </p:txBody>
       </p:sp>
@@ -5993,6 +6024,13 @@
   <p:clrMapOvr>
     <a:masterClrMapping/>
   </p:clrMapOvr>
+  <p:timing>
+    <p:tnLst>
+      <p:par>
+        <p:cTn id="1" dur="indefinite" restart="never" nodeType="tmRoot"/>
+      </p:par>
+    </p:tnLst>
+  </p:timing>
 </p:sld>
 </file>
 
@@ -6119,6 +6157,13 @@
   <p:clrMapOvr>
     <a:masterClrMapping/>
   </p:clrMapOvr>
+  <p:timing>
+    <p:tnLst>
+      <p:par>
+        <p:cTn id="1" dur="indefinite" restart="never" nodeType="tmRoot"/>
+      </p:par>
+    </p:tnLst>
+  </p:timing>
 </p:sld>
 </file>
 
@@ -6261,6 +6306,13 @@
   <p:clrMapOvr>
     <a:masterClrMapping/>
   </p:clrMapOvr>
+  <p:timing>
+    <p:tnLst>
+      <p:par>
+        <p:cTn id="1" dur="indefinite" restart="never" nodeType="tmRoot"/>
+      </p:par>
+    </p:tnLst>
+  </p:timing>
 </p:sld>
 </file>
 
@@ -6434,6 +6486,13 @@
   <p:clrMapOvr>
     <a:masterClrMapping/>
   </p:clrMapOvr>
+  <p:timing>
+    <p:tnLst>
+      <p:par>
+        <p:cTn id="1" dur="indefinite" restart="never" nodeType="tmRoot"/>
+      </p:par>
+    </p:tnLst>
+  </p:timing>
 </p:sld>
 </file>
 
@@ -6508,8 +6567,17 @@
             <a:pPr lvl="2"/>
             <a:r>
               <a:rPr lang="pt-BR" dirty="0" smtClean="0"/>
-              <a:t>Camada de rede não fornece suporte expliícito</a:t>
-            </a:r>
+              <a:t>Camada de rede não fornece </a:t>
+            </a:r>
+            <a:r>
+              <a:rPr lang="pt-BR" smtClean="0"/>
+              <a:t>suporte </a:t>
+            </a:r>
+            <a:r>
+              <a:rPr lang="pt-BR" smtClean="0"/>
+              <a:t>explícito</a:t>
+            </a:r>
+            <a:endParaRPr lang="pt-BR" dirty="0" smtClean="0"/>
           </a:p>
           <a:p>
             <a:pPr lvl="2"/>
@@ -6554,6 +6622,13 @@
   <p:clrMapOvr>
     <a:masterClrMapping/>
   </p:clrMapOvr>
+  <p:timing>
+    <p:tnLst>
+      <p:par>
+        <p:cTn id="1" dur="indefinite" restart="never" nodeType="tmRoot"/>
+      </p:par>
+    </p:tnLst>
+  </p:timing>
 </p:sld>
 </file>
 
@@ -6742,6 +6817,13 @@
   <p:clrMapOvr>
     <a:masterClrMapping/>
   </p:clrMapOvr>
+  <p:timing>
+    <p:tnLst>
+      <p:par>
+        <p:cTn id="1" dur="indefinite" restart="never" nodeType="tmRoot"/>
+      </p:par>
+    </p:tnLst>
+  </p:timing>
 </p:sld>
 </file>
 
@@ -7514,6 +7596,13 @@
   <p:clrMapOvr>
     <a:masterClrMapping/>
   </p:clrMapOvr>
+  <p:timing>
+    <p:tnLst>
+      <p:par>
+        <p:cTn id="1" dur="indefinite" restart="never" nodeType="tmRoot"/>
+      </p:par>
+    </p:tnLst>
+  </p:timing>
 </p:sld>
 </file>
 
@@ -7701,6 +7790,13 @@
   <p:clrMapOvr>
     <a:masterClrMapping/>
   </p:clrMapOvr>
+  <p:timing>
+    <p:tnLst>
+      <p:par>
+        <p:cTn id="1" dur="indefinite" restart="never" nodeType="tmRoot"/>
+      </p:par>
+    </p:tnLst>
+  </p:timing>
 </p:sld>
 </file>
 
@@ -7886,13 +7982,8 @@
             <a:pPr lvl="1"/>
             <a:r>
               <a:rPr lang="pt-BR" dirty="0" smtClean="0"/>
-              <a:t>Negação da soma de cada palavra de 16bits do campo de </a:t>
-            </a:r>
-            <a:r>
-              <a:rPr lang="pt-BR" dirty="0" smtClean="0"/>
-              <a:t>dados</a:t>
-            </a:r>
-            <a:endParaRPr lang="pt-BR" dirty="0" smtClean="0"/>
+              <a:t>Negação da soma de cada palavra de 16bits do campo de dados</a:t>
+            </a:r>
           </a:p>
         </p:txBody>
       </p:sp>
@@ -7938,15 +8029,7 @@
             <a:pPr marL="0" lvl="1" algn="ctr"/>
             <a:r>
               <a:rPr lang="pt-BR" dirty="0" smtClean="0"/>
-              <a:t>Na </a:t>
-            </a:r>
-            <a:r>
-              <a:rPr lang="pt-BR" dirty="0" smtClean="0"/>
-              <a:t>chegada, checksum é somado à soma de cada palavra de 16 </a:t>
-            </a:r>
-            <a:r>
-              <a:rPr lang="pt-BR" dirty="0" smtClean="0"/>
-              <a:t>bits. Tem que dar ‘1’ em todos os bits</a:t>
+              <a:t>Na chegada, checksum é somado à soma de cada palavra de 16 bits. Tem que dar ‘1’ em todos os bits</a:t>
             </a:r>
             <a:endParaRPr lang="pt-BR" dirty="0"/>
           </a:p>
@@ -7957,6 +8040,13 @@
   <p:clrMapOvr>
     <a:masterClrMapping/>
   </p:clrMapOvr>
+  <p:timing>
+    <p:tnLst>
+      <p:par>
+        <p:cTn id="1" dur="indefinite" restart="never" nodeType="tmRoot"/>
+      </p:par>
+    </p:tnLst>
+  </p:timing>
 </p:sld>
 </file>
 
@@ -8072,6 +8162,13 @@
   <p:clrMapOvr>
     <a:masterClrMapping/>
   </p:clrMapOvr>
+  <p:timing>
+    <p:tnLst>
+      <p:par>
+        <p:cTn id="1" dur="indefinite" restart="never" nodeType="tmRoot"/>
+      </p:par>
+    </p:tnLst>
+  </p:timing>
 </p:sld>
 </file>
 
@@ -8172,6 +8269,13 @@
   <p:clrMapOvr>
     <a:masterClrMapping/>
   </p:clrMapOvr>
+  <p:timing>
+    <p:tnLst>
+      <p:par>
+        <p:cTn id="1" dur="indefinite" restart="never" nodeType="tmRoot"/>
+      </p:par>
+    </p:tnLst>
+  </p:timing>
 </p:sld>
 </file>
 
@@ -8267,15 +8371,9 @@
             <a:pPr lvl="2"/>
             <a:r>
               <a:rPr lang="pt-BR" sz="2000" dirty="0" smtClean="0"/>
-              <a:t>SYN, responde com segmento</a:t>
-            </a:r>
-          </a:p>
-          <a:p>
-            <a:pPr lvl="2"/>
-            <a:r>
-              <a:rPr lang="pt-BR" sz="2000" dirty="0" smtClean="0"/>
               <a:t>SYNACK</a:t>
             </a:r>
+            <a:endParaRPr lang="pt-BR" sz="2000" dirty="0" smtClean="0"/>
           </a:p>
           <a:p>
             <a:pPr lvl="2"/>
@@ -8313,6 +8411,13 @@
   <p:clrMapOvr>
     <a:masterClrMapping/>
   </p:clrMapOvr>
+  <p:timing>
+    <p:tnLst>
+      <p:par>
+        <p:cTn id="1" dur="indefinite" restart="never" nodeType="tmRoot"/>
+      </p:par>
+    </p:tnLst>
+  </p:timing>
 </p:sld>
 </file>
 
